--- a/sw운영 테스트/4_SW운영테스트(테스트).pptx
+++ b/sw운영 테스트/4_SW운영테스트(테스트).pptx
@@ -222,7 +222,7 @@
           <a:p>
             <a:fld id="{4F4BDD88-E5D9-4E70-A448-3556BB33AA72}" type="datetimeFigureOut">
               <a:rPr lang="ko-KR" altLang="en-US" smtClean="0"/>
-              <a:t>2019-09-01</a:t>
+              <a:t>2019-09-18</a:t>
             </a:fld>
             <a:endParaRPr lang="ko-KR" altLang="en-US"/>
           </a:p>
@@ -621,7 +621,7 @@
           <a:p>
             <a:fld id="{443EFB69-F0EC-4822-AE63-00EAEBE003EB}" type="datetime1">
               <a:rPr lang="ko-KR" altLang="en-US" smtClean="0"/>
-              <a:t>2019-09-01</a:t>
+              <a:t>2019-09-18</a:t>
             </a:fld>
             <a:endParaRPr lang="ko-KR" altLang="en-US"/>
           </a:p>
@@ -884,7 +884,7 @@
           <a:p>
             <a:fld id="{CE59A610-291F-4FCD-B6D1-E1AEA4C57316}" type="datetime1">
               <a:rPr lang="ko-KR" altLang="en-US" smtClean="0"/>
-              <a:t>2019-09-01</a:t>
+              <a:t>2019-09-18</a:t>
             </a:fld>
             <a:endParaRPr lang="ko-KR" altLang="en-US"/>
           </a:p>
@@ -1069,7 +1069,7 @@
           <a:p>
             <a:fld id="{89B384C2-21DC-451A-85E7-10117E4DEC2C}" type="datetime1">
               <a:rPr lang="ko-KR" altLang="en-US" smtClean="0"/>
-              <a:t>2019-09-01</a:t>
+              <a:t>2019-09-18</a:t>
             </a:fld>
             <a:endParaRPr lang="ko-KR" altLang="en-US"/>
           </a:p>
@@ -1408,7 +1408,7 @@
           <a:p>
             <a:fld id="{D65EF312-86D8-4FC5-AD84-AFC561126411}" type="datetime1">
               <a:rPr lang="ko-KR" altLang="en-US" smtClean="0"/>
-              <a:t>2019-09-01</a:t>
+              <a:t>2019-09-18</a:t>
             </a:fld>
             <a:endParaRPr lang="ko-KR" altLang="en-US"/>
           </a:p>
@@ -1629,7 +1629,7 @@
           <a:p>
             <a:fld id="{6B7AF35F-C316-4D44-BCE1-B5D76FAA6FA6}" type="datetime1">
               <a:rPr lang="ko-KR" altLang="en-US" smtClean="0"/>
-              <a:t>2019-09-01</a:t>
+              <a:t>2019-09-18</a:t>
             </a:fld>
             <a:endParaRPr lang="ko-KR" altLang="en-US"/>
           </a:p>
@@ -1868,7 +1868,7 @@
           <a:p>
             <a:fld id="{A0DCB827-A3CE-435B-A78F-1B24C298D468}" type="datetime1">
               <a:rPr lang="ko-KR" altLang="en-US" smtClean="0"/>
-              <a:t>2019-09-01</a:t>
+              <a:t>2019-09-18</a:t>
             </a:fld>
             <a:endParaRPr lang="ko-KR" altLang="en-US"/>
           </a:p>
@@ -1970,7 +1970,7 @@
           <a:p>
             <a:fld id="{9B04BE9A-83D6-4A93-9424-19DD5CD63289}" type="datetime1">
               <a:rPr lang="ko-KR" altLang="en-US" smtClean="0"/>
-              <a:t>2019-09-01</a:t>
+              <a:t>2019-09-18</a:t>
             </a:fld>
             <a:endParaRPr lang="ko-KR" altLang="en-US"/>
           </a:p>
@@ -2254,7 +2254,7 @@
           <a:p>
             <a:fld id="{88474E88-0905-4806-88EC-3D6908030BD7}" type="datetime1">
               <a:rPr lang="ko-KR" altLang="en-US" smtClean="0"/>
-              <a:t>2019-09-01</a:t>
+              <a:t>2019-09-18</a:t>
             </a:fld>
             <a:endParaRPr lang="ko-KR" altLang="en-US"/>
           </a:p>
@@ -2514,7 +2514,7 @@
           <a:p>
             <a:fld id="{B4BDB3A4-79A6-4700-AF39-4ADF589BD2FC}" type="datetime1">
               <a:rPr lang="ko-KR" altLang="en-US" smtClean="0"/>
-              <a:t>2019-09-01</a:t>
+              <a:t>2019-09-18</a:t>
             </a:fld>
             <a:endParaRPr lang="ko-KR" altLang="en-US"/>
           </a:p>
@@ -2691,7 +2691,7 @@
           <a:p>
             <a:fld id="{2FF580AF-4AF3-4251-B2D1-BA9096D22850}" type="datetime1">
               <a:rPr lang="ko-KR" altLang="en-US" smtClean="0"/>
-              <a:t>2019-09-01</a:t>
+              <a:t>2019-09-18</a:t>
             </a:fld>
             <a:endParaRPr lang="ko-KR" altLang="en-US"/>
           </a:p>
@@ -2911,7 +2911,7 @@
           <a:p>
             <a:fld id="{3427A348-7E7B-460C-8F18-76B7CB69ACC0}" type="datetime1">
               <a:rPr lang="ko-KR" altLang="en-US" smtClean="0"/>
-              <a:t>2019-09-01</a:t>
+              <a:t>2019-09-18</a:t>
             </a:fld>
             <a:endParaRPr lang="ko-KR" altLang="en-US"/>
           </a:p>
@@ -4487,11 +4487,7 @@
             </a:r>
             <a:r>
               <a:rPr lang="ko-KR" altLang="en-US" dirty="0" smtClean="0"/>
-              <a:t>디버</a:t>
-            </a:r>
-            <a:r>
-              <a:rPr lang="ko-KR" altLang="en-US" dirty="0" smtClean="0"/>
-              <a:t>깅</a:t>
+              <a:t>디버깅</a:t>
             </a:r>
             <a:endParaRPr lang="ko-KR" altLang="en-US" dirty="0"/>
           </a:p>
@@ -4930,22 +4926,42 @@
           <a:lstStyle/>
           <a:p>
             <a:r>
-              <a:rPr lang="ko-KR" altLang="en-US" dirty="0"/>
+              <a:rPr lang="ko-KR" altLang="en-US" dirty="0">
+                <a:solidFill>
+                  <a:srgbClr val="FF0000"/>
+                </a:solidFill>
+              </a:rPr>
               <a:t>학습 내용 </a:t>
             </a:r>
             <a:r>
-              <a:rPr lang="en-US" altLang="ko-KR" dirty="0"/>
+              <a:rPr lang="en-US" altLang="ko-KR" dirty="0">
+                <a:solidFill>
+                  <a:srgbClr val="FF0000"/>
+                </a:solidFill>
+              </a:rPr>
               <a:t>Review</a:t>
             </a:r>
             <a:r>
-              <a:rPr lang="en-US" altLang="ko-KR" dirty="0" smtClean="0"/>
+              <a:rPr lang="en-US" altLang="ko-KR" dirty="0" smtClean="0">
+                <a:solidFill>
+                  <a:srgbClr val="FF0000"/>
+                </a:solidFill>
+              </a:rPr>
               <a:t>: V</a:t>
             </a:r>
             <a:r>
-              <a:rPr lang="ko-KR" altLang="en-US" smtClean="0"/>
+              <a:rPr lang="ko-KR" altLang="en-US" dirty="0" smtClean="0">
+                <a:solidFill>
+                  <a:srgbClr val="FF0000"/>
+                </a:solidFill>
+              </a:rPr>
               <a:t>모델</a:t>
             </a:r>
-            <a:endParaRPr lang="ko-KR" altLang="en-US"/>
+            <a:endParaRPr lang="ko-KR" altLang="en-US" dirty="0">
+              <a:solidFill>
+                <a:srgbClr val="FF0000"/>
+              </a:solidFill>
+            </a:endParaRPr>
           </a:p>
         </p:txBody>
       </p:sp>
@@ -6537,11 +6553,7 @@
             </a:r>
             <a:r>
               <a:rPr lang="ko-KR" altLang="en-US" sz="2800" dirty="0" smtClean="0"/>
-              <a:t>의 </a:t>
-            </a:r>
-            <a:r>
-              <a:rPr lang="ko-KR" altLang="en-US" sz="2800" dirty="0" smtClean="0"/>
-              <a:t>차이</a:t>
+              <a:t>의 차이</a:t>
             </a:r>
             <a:endParaRPr lang="ko-KR" altLang="en-US" sz="2800" dirty="0"/>
           </a:p>
@@ -6671,21 +6683,21 @@
                 <a:gridCol w="1563758">
                   <a:extLst>
                     <a:ext uri="{9D8B030D-6E8A-4147-A177-3AD203B41FA5}">
-                      <a16:colId xmlns="" xmlns:a16="http://schemas.microsoft.com/office/drawing/2014/main" val="20000"/>
+                      <a16:colId xmlns:a16="http://schemas.microsoft.com/office/drawing/2014/main" xmlns="" val="20000"/>
                     </a:ext>
                   </a:extLst>
                 </a:gridCol>
                 <a:gridCol w="3525078">
                   <a:extLst>
                     <a:ext uri="{9D8B030D-6E8A-4147-A177-3AD203B41FA5}">
-                      <a16:colId xmlns="" xmlns:a16="http://schemas.microsoft.com/office/drawing/2014/main" val="20001"/>
+                      <a16:colId xmlns:a16="http://schemas.microsoft.com/office/drawing/2014/main" xmlns="" val="20001"/>
                     </a:ext>
                   </a:extLst>
                 </a:gridCol>
                 <a:gridCol w="3670852">
                   <a:extLst>
                     <a:ext uri="{9D8B030D-6E8A-4147-A177-3AD203B41FA5}">
-                      <a16:colId xmlns="" xmlns:a16="http://schemas.microsoft.com/office/drawing/2014/main" val="20002"/>
+                      <a16:colId xmlns:a16="http://schemas.microsoft.com/office/drawing/2014/main" xmlns="" val="20002"/>
                     </a:ext>
                   </a:extLst>
                 </a:gridCol>
@@ -6894,7 +6906,7 @@
                 </a:tc>
                 <a:extLst>
                   <a:ext uri="{0D108BD9-81ED-4DB2-BD59-A6C34878D82A}">
-                    <a16:rowId xmlns="" xmlns:a16="http://schemas.microsoft.com/office/drawing/2014/main" val="10000"/>
+                    <a16:rowId xmlns:a16="http://schemas.microsoft.com/office/drawing/2014/main" xmlns="" val="10000"/>
                   </a:ext>
                 </a:extLst>
               </a:tr>
@@ -7084,7 +7096,7 @@
                 </a:tc>
                 <a:extLst>
                   <a:ext uri="{0D108BD9-81ED-4DB2-BD59-A6C34878D82A}">
-                    <a16:rowId xmlns="" xmlns:a16="http://schemas.microsoft.com/office/drawing/2014/main" val="10001"/>
+                    <a16:rowId xmlns:a16="http://schemas.microsoft.com/office/drawing/2014/main" xmlns="" val="10001"/>
                   </a:ext>
                 </a:extLst>
               </a:tr>
@@ -7274,7 +7286,7 @@
                 </a:tc>
                 <a:extLst>
                   <a:ext uri="{0D108BD9-81ED-4DB2-BD59-A6C34878D82A}">
-                    <a16:rowId xmlns="" xmlns:a16="http://schemas.microsoft.com/office/drawing/2014/main" val="10002"/>
+                    <a16:rowId xmlns:a16="http://schemas.microsoft.com/office/drawing/2014/main" xmlns="" val="10002"/>
                   </a:ext>
                 </a:extLst>
               </a:tr>
@@ -7512,7 +7524,7 @@
                 </a:tc>
                 <a:extLst>
                   <a:ext uri="{0D108BD9-81ED-4DB2-BD59-A6C34878D82A}">
-                    <a16:rowId xmlns="" xmlns:a16="http://schemas.microsoft.com/office/drawing/2014/main" val="10003"/>
+                    <a16:rowId xmlns:a16="http://schemas.microsoft.com/office/drawing/2014/main" xmlns="" val="10003"/>
                   </a:ext>
                 </a:extLst>
               </a:tr>
@@ -7690,7 +7702,7 @@
                 </a:tc>
                 <a:extLst>
                   <a:ext uri="{0D108BD9-81ED-4DB2-BD59-A6C34878D82A}">
-                    <a16:rowId xmlns="" xmlns:a16="http://schemas.microsoft.com/office/drawing/2014/main" val="10004"/>
+                    <a16:rowId xmlns:a16="http://schemas.microsoft.com/office/drawing/2014/main" xmlns="" val="10004"/>
                   </a:ext>
                 </a:extLst>
               </a:tr>
